--- a/Seccion 1 Introducción al espacio multivariante/Diapositivas/1.10 Medidas descriptivas multivariantes - dispersion y dependencia.pptx
+++ b/Seccion 1 Introducción al espacio multivariante/Diapositivas/1.10 Medidas descriptivas multivariantes - dispersion y dependencia.pptx
@@ -275,7 +275,7 @@
             <a:fld id="{B61BEF0D-F0BB-DE4B-95CE-6DB70DBA9567}" type="datetimeFigureOut">
               <a:rPr lang="en-US" smtClean="0"/>
               <a:pPr/>
-              <a:t>12/12/2019</a:t>
+              <a:t>12/20/2019</a:t>
             </a:fld>
             <a:endParaRPr lang="en-US" dirty="0"/>
           </a:p>
@@ -474,7 +474,7 @@
           <a:p>
             <a:fld id="{55C6B4A9-1611-4792-9094-5F34BCA07E0B}" type="datetimeFigureOut">
               <a:rPr lang="en-US" smtClean="0"/>
-              <a:t>12/12/2019</a:t>
+              <a:t>12/20/2019</a:t>
             </a:fld>
             <a:endParaRPr lang="en-US" dirty="0"/>
           </a:p>
@@ -683,7 +683,7 @@
             <a:fld id="{B61BEF0D-F0BB-DE4B-95CE-6DB70DBA9567}" type="datetimeFigureOut">
               <a:rPr lang="en-US" smtClean="0"/>
               <a:pPr/>
-              <a:t>12/12/2019</a:t>
+              <a:t>12/20/2019</a:t>
             </a:fld>
             <a:endParaRPr lang="en-US" dirty="0"/>
           </a:p>
@@ -1503,7 +1503,7 @@
             <a:fld id="{B61BEF0D-F0BB-DE4B-95CE-6DB70DBA9567}" type="datetimeFigureOut">
               <a:rPr lang="en-US" smtClean="0"/>
               <a:pPr/>
-              <a:t>12/12/2019</a:t>
+              <a:t>12/20/2019</a:t>
             </a:fld>
             <a:endParaRPr lang="en-US" dirty="0"/>
           </a:p>
@@ -1675,7 +1675,7 @@
             <a:fld id="{B61BEF0D-F0BB-DE4B-95CE-6DB70DBA9567}" type="datetimeFigureOut">
               <a:rPr lang="en-US" smtClean="0"/>
               <a:pPr/>
-              <a:t>12/12/2019</a:t>
+              <a:t>12/20/2019</a:t>
             </a:fld>
             <a:endParaRPr lang="en-US" dirty="0"/>
           </a:p>
@@ -1924,7 +1924,7 @@
             <a:fld id="{B61BEF0D-F0BB-DE4B-95CE-6DB70DBA9567}" type="datetimeFigureOut">
               <a:rPr lang="en-US" smtClean="0"/>
               <a:pPr/>
-              <a:t>12/12/2019</a:t>
+              <a:t>12/20/2019</a:t>
             </a:fld>
             <a:endParaRPr lang="en-US" dirty="0"/>
           </a:p>
@@ -2157,7 +2157,7 @@
           <a:p>
             <a:fld id="{EB712588-04B1-427B-82EE-E8DB90309F08}" type="datetimeFigureOut">
               <a:rPr lang="en-US" smtClean="0"/>
-              <a:t>12/12/2019</a:t>
+              <a:t>12/20/2019</a:t>
             </a:fld>
             <a:endParaRPr lang="en-US" dirty="0"/>
           </a:p>
@@ -2532,7 +2532,7 @@
             <a:fld id="{B61BEF0D-F0BB-DE4B-95CE-6DB70DBA9567}" type="datetimeFigureOut">
               <a:rPr lang="en-US" smtClean="0"/>
               <a:pPr/>
-              <a:t>12/12/2019</a:t>
+              <a:t>12/20/2019</a:t>
             </a:fld>
             <a:endParaRPr lang="en-US" dirty="0"/>
           </a:p>
@@ -2657,7 +2657,7 @@
             <a:fld id="{B61BEF0D-F0BB-DE4B-95CE-6DB70DBA9567}" type="datetimeFigureOut">
               <a:rPr lang="en-US" smtClean="0"/>
               <a:pPr/>
-              <a:t>12/12/2019</a:t>
+              <a:t>12/20/2019</a:t>
             </a:fld>
             <a:endParaRPr lang="en-US" dirty="0"/>
           </a:p>
@@ -2754,7 +2754,7 @@
             <a:fld id="{B61BEF0D-F0BB-DE4B-95CE-6DB70DBA9567}" type="datetimeFigureOut">
               <a:rPr lang="en-US" smtClean="0"/>
               <a:pPr/>
-              <a:t>12/12/2019</a:t>
+              <a:t>12/20/2019</a:t>
             </a:fld>
             <a:endParaRPr lang="en-US" dirty="0"/>
           </a:p>
@@ -3010,7 +3010,7 @@
           <a:p>
             <a:fld id="{42A54C80-263E-416B-A8E0-580EDEADCBDC}" type="datetimeFigureOut">
               <a:rPr lang="en-US" smtClean="0"/>
-              <a:t>12/12/2019</a:t>
+              <a:t>12/20/2019</a:t>
             </a:fld>
             <a:endParaRPr lang="en-US" dirty="0"/>
           </a:p>
@@ -3197,7 +3197,7 @@
             <a:fld id="{B61BEF0D-F0BB-DE4B-95CE-6DB70DBA9567}" type="datetimeFigureOut">
               <a:rPr lang="en-US" smtClean="0"/>
               <a:pPr/>
-              <a:t>12/12/2019</a:t>
+              <a:t>12/20/2019</a:t>
             </a:fld>
             <a:endParaRPr lang="en-US" dirty="0"/>
           </a:p>
@@ -3517,7 +3517,7 @@
             <a:fld id="{B61BEF0D-F0BB-DE4B-95CE-6DB70DBA9567}" type="datetimeFigureOut">
               <a:rPr lang="en-US" smtClean="0"/>
               <a:pPr/>
-              <a:t>12/12/2019</a:t>
+              <a:t>12/20/2019</a:t>
             </a:fld>
             <a:endParaRPr lang="en-US" dirty="0"/>
           </a:p>
@@ -3727,7 +3727,7 @@
             <a:fld id="{B61BEF0D-F0BB-DE4B-95CE-6DB70DBA9567}" type="datetimeFigureOut">
               <a:rPr lang="en-US" smtClean="0"/>
               <a:pPr/>
-              <a:t>12/12/2019</a:t>
+              <a:t>12/20/2019</a:t>
             </a:fld>
             <a:endParaRPr lang="en-US" dirty="0"/>
           </a:p>
@@ -4043,7 +4043,7 @@
             <a:fld id="{B61BEF0D-F0BB-DE4B-95CE-6DB70DBA9567}" type="datetimeFigureOut">
               <a:rPr lang="en-US" smtClean="0"/>
               <a:pPr/>
-              <a:t>12/12/2019</a:t>
+              <a:t>12/20/2019</a:t>
             </a:fld>
             <a:endParaRPr lang="en-US" dirty="0"/>
           </a:p>
@@ -4378,7 +4378,7 @@
             <a:fld id="{B61BEF0D-F0BB-DE4B-95CE-6DB70DBA9567}" type="datetimeFigureOut">
               <a:rPr lang="en-US" smtClean="0"/>
               <a:pPr/>
-              <a:t>12/12/2019</a:t>
+              <a:t>12/20/2019</a:t>
             </a:fld>
             <a:endParaRPr lang="en-US" dirty="0"/>
           </a:p>
@@ -4694,7 +4694,7 @@
             <a:fld id="{B61BEF0D-F0BB-DE4B-95CE-6DB70DBA9567}" type="datetimeFigureOut">
               <a:rPr lang="en-US" smtClean="0"/>
               <a:pPr/>
-              <a:t>12/12/2019</a:t>
+              <a:t>12/20/2019</a:t>
             </a:fld>
             <a:endParaRPr lang="en-US" dirty="0"/>
           </a:p>
@@ -5089,7 +5089,7 @@
             <a:fld id="{B61BEF0D-F0BB-DE4B-95CE-6DB70DBA9567}" type="datetimeFigureOut">
               <a:rPr lang="en-US" smtClean="0"/>
               <a:pPr/>
-              <a:t>12/12/2019</a:t>
+              <a:t>12/20/2019</a:t>
             </a:fld>
             <a:endParaRPr lang="en-US" dirty="0"/>
           </a:p>
@@ -5260,7 +5260,7 @@
           <a:p>
             <a:fld id="{55C6B4A9-1611-4792-9094-5F34BCA07E0B}" type="datetimeFigureOut">
               <a:rPr lang="en-US" smtClean="0"/>
-              <a:t>12/12/2019</a:t>
+              <a:t>12/20/2019</a:t>
             </a:fld>
             <a:endParaRPr lang="en-US" dirty="0"/>
           </a:p>
@@ -5441,7 +5441,7 @@
             <a:fld id="{B61BEF0D-F0BB-DE4B-95CE-6DB70DBA9567}" type="datetimeFigureOut">
               <a:rPr lang="en-US" smtClean="0"/>
               <a:pPr/>
-              <a:t>12/12/2019</a:t>
+              <a:t>12/20/2019</a:t>
             </a:fld>
             <a:endParaRPr lang="en-US" dirty="0"/>
           </a:p>
@@ -5706,7 +5706,7 @@
             <a:fld id="{B61BEF0D-F0BB-DE4B-95CE-6DB70DBA9567}" type="datetimeFigureOut">
               <a:rPr lang="en-US" smtClean="0"/>
               <a:pPr/>
-              <a:t>12/12/2019</a:t>
+              <a:t>12/20/2019</a:t>
             </a:fld>
             <a:endParaRPr lang="en-US" dirty="0"/>
           </a:p>
@@ -5972,7 +5972,7 @@
           <a:p>
             <a:fld id="{EB712588-04B1-427B-82EE-E8DB90309F08}" type="datetimeFigureOut">
               <a:rPr lang="en-US" smtClean="0"/>
-              <a:t>12/12/2019</a:t>
+              <a:t>12/20/2019</a:t>
             </a:fld>
             <a:endParaRPr lang="en-US" dirty="0"/>
           </a:p>
@@ -6385,7 +6385,7 @@
             <a:fld id="{B61BEF0D-F0BB-DE4B-95CE-6DB70DBA9567}" type="datetimeFigureOut">
               <a:rPr lang="en-US" smtClean="0"/>
               <a:pPr/>
-              <a:t>12/12/2019</a:t>
+              <a:t>12/20/2019</a:t>
             </a:fld>
             <a:endParaRPr lang="en-US" dirty="0"/>
           </a:p>
@@ -6528,7 +6528,7 @@
             <a:fld id="{B61BEF0D-F0BB-DE4B-95CE-6DB70DBA9567}" type="datetimeFigureOut">
               <a:rPr lang="en-US" smtClean="0"/>
               <a:pPr/>
-              <a:t>12/12/2019</a:t>
+              <a:t>12/20/2019</a:t>
             </a:fld>
             <a:endParaRPr lang="en-US" dirty="0"/>
           </a:p>
@@ -6643,7 +6643,7 @@
             <a:fld id="{B61BEF0D-F0BB-DE4B-95CE-6DB70DBA9567}" type="datetimeFigureOut">
               <a:rPr lang="en-US" smtClean="0"/>
               <a:pPr/>
-              <a:t>12/12/2019</a:t>
+              <a:t>12/20/2019</a:t>
             </a:fld>
             <a:endParaRPr lang="en-US" dirty="0"/>
           </a:p>
@@ -6955,7 +6955,7 @@
           <a:p>
             <a:fld id="{42A54C80-263E-416B-A8E0-580EDEADCBDC}" type="datetimeFigureOut">
               <a:rPr lang="en-US" smtClean="0"/>
-              <a:t>12/12/2019</a:t>
+              <a:t>12/20/2019</a:t>
             </a:fld>
             <a:endParaRPr lang="en-US" dirty="0"/>
           </a:p>
@@ -7244,7 +7244,7 @@
             <a:fld id="{B61BEF0D-F0BB-DE4B-95CE-6DB70DBA9567}" type="datetimeFigureOut">
               <a:rPr lang="en-US" smtClean="0"/>
               <a:pPr/>
-              <a:t>12/12/2019</a:t>
+              <a:t>12/20/2019</a:t>
             </a:fld>
             <a:endParaRPr lang="en-US" dirty="0"/>
           </a:p>
@@ -7487,7 +7487,7 @@
             <a:fld id="{B61BEF0D-F0BB-DE4B-95CE-6DB70DBA9567}" type="datetimeFigureOut">
               <a:rPr lang="en-US" smtClean="0"/>
               <a:pPr/>
-              <a:t>12/12/2019</a:t>
+              <a:t>12/20/2019</a:t>
             </a:fld>
             <a:endParaRPr lang="en-US" dirty="0"/>
           </a:p>
@@ -8572,7 +8572,7 @@
             <a:fld id="{B61BEF0D-F0BB-DE4B-95CE-6DB70DBA9567}" type="datetimeFigureOut">
               <a:rPr lang="en-US" smtClean="0"/>
               <a:pPr/>
-              <a:t>12/12/2019</a:t>
+              <a:t>12/20/2019</a:t>
             </a:fld>
             <a:endParaRPr lang="en-US" dirty="0"/>
           </a:p>
@@ -11965,8 +11965,8 @@
           </a:p>
         </p:txBody>
       </p:sp>
-      <mc:AlternateContent xmlns:mc="http://schemas.openxmlformats.org/markup-compatibility/2006" xmlns:a14="http://schemas.microsoft.com/office/drawing/2010/main">
-        <mc:Choice Requires="a14">
+      <mc:AlternateContent xmlns:mc="http://schemas.openxmlformats.org/markup-compatibility/2006">
+        <mc:Choice xmlns:a14="http://schemas.microsoft.com/office/drawing/2010/main" Requires="a14">
           <p:sp>
             <p:nvSpPr>
               <p:cNvPr id="3" name="Marcador de contenido 2">
@@ -12052,6 +12052,15 @@
                         <a:latin typeface="Cambria Math" panose="02040503050406030204" pitchFamily="18" charset="0"/>
                       </a:rPr>
                       <m:t>,…</m:t>
+                    </m:r>
+                    <m:r>
+                      <a:rPr lang="es-ES" b="0" i="1" smtClean="0">
+                        <a:solidFill>
+                          <a:schemeClr val="bg1"/>
+                        </a:solidFill>
+                        <a:latin typeface="Cambria Math" panose="02040503050406030204" pitchFamily="18" charset="0"/>
+                      </a:rPr>
+                      <m:t>,</m:t>
                     </m:r>
                     <m:sSub>
                       <m:sSubPr>
@@ -13394,7 +13403,7 @@
             </p:txBody>
           </p:sp>
         </mc:Choice>
-        <mc:Fallback xmlns="">
+        <mc:Fallback>
           <p:sp>
             <p:nvSpPr>
               <p:cNvPr id="3" name="Marcador de contenido 2">
@@ -13419,7 +13428,7 @@
               <a:blipFill>
                 <a:blip r:embed="rId2"/>
                 <a:stretch>
-                  <a:fillRect l="-136" t="-661" r="-68"/>
+                  <a:fillRect l="-136" t="-661" r="-1090"/>
                 </a:stretch>
               </a:blipFill>
             </p:spPr>
